--- a/Weihnachten_Rentier/Weihnachten_rentier.pptx
+++ b/Weihnachten_Rentier/Weihnachten_rentier.pptx
@@ -201,7 +201,7 @@
           <a:p>
             <a:fld id="{DD7A25D8-F173-4133-85F8-CB962D678EB5}" type="datetimeFigureOut">
               <a:rPr lang="de-DE" smtClean="0"/>
-              <a:t>13.12.2019</a:t>
+              <a:t>10.02.2020</a:t>
             </a:fld>
             <a:endParaRPr lang="de-DE"/>
           </a:p>
@@ -599,7 +599,7 @@
           <a:p>
             <a:fld id="{FC9269F9-6F79-4414-A84E-D81C6C443C37}" type="datetimeFigureOut">
               <a:rPr lang="de-DE" smtClean="0"/>
-              <a:t>13.12.2019</a:t>
+              <a:t>10.02.2020</a:t>
             </a:fld>
             <a:endParaRPr lang="de-DE"/>
           </a:p>
@@ -1890,7 +1890,7 @@
           <a:p>
             <a:fld id="{FC9269F9-6F79-4414-A84E-D81C6C443C37}" type="datetimeFigureOut">
               <a:rPr lang="de-DE" smtClean="0"/>
-              <a:t>13.12.2019</a:t>
+              <a:t>10.02.2020</a:t>
             </a:fld>
             <a:endParaRPr lang="de-DE"/>
           </a:p>
@@ -2460,7 +2460,7 @@
           <a:p>
             <a:fld id="{FC9269F9-6F79-4414-A84E-D81C6C443C37}" type="datetimeFigureOut">
               <a:rPr lang="de-DE" smtClean="0"/>
-              <a:t>13.12.2019</a:t>
+              <a:t>10.02.2020</a:t>
             </a:fld>
             <a:endParaRPr lang="de-DE"/>
           </a:p>
@@ -3469,7 +3469,7 @@
           <a:p>
             <a:fld id="{FC9269F9-6F79-4414-A84E-D81C6C443C37}" type="datetimeFigureOut">
               <a:rPr lang="de-DE" smtClean="0"/>
-              <a:t>13.12.2019</a:t>
+              <a:t>10.02.2020</a:t>
             </a:fld>
             <a:endParaRPr lang="de-DE"/>
           </a:p>
@@ -3835,7 +3835,7 @@
           <a:p>
             <a:fld id="{FC9269F9-6F79-4414-A84E-D81C6C443C37}" type="datetimeFigureOut">
               <a:rPr lang="de-DE" smtClean="0"/>
-              <a:t>13.12.2019</a:t>
+              <a:t>10.02.2020</a:t>
             </a:fld>
             <a:endParaRPr lang="de-DE"/>
           </a:p>
@@ -4191,7 +4191,7 @@
           <a:p>
             <a:fld id="{FC9269F9-6F79-4414-A84E-D81C6C443C37}" type="datetimeFigureOut">
               <a:rPr lang="de-DE" smtClean="0"/>
-              <a:t>13.12.2019</a:t>
+              <a:t>10.02.2020</a:t>
             </a:fld>
             <a:endParaRPr lang="de-DE"/>
           </a:p>
@@ -4754,7 +4754,7 @@
           <a:p>
             <a:r>
               <a:rPr lang="de-DE" dirty="0"/>
-              <a:t>Dein eignes Projekt</a:t>
+              <a:t>Weihnachten Rentier</a:t>
             </a:r>
           </a:p>
         </p:txBody>
@@ -4877,6 +4877,36 @@
           <a:xfrm>
             <a:off x="1485900" y="3575133"/>
             <a:ext cx="3996000" cy="3456000"/>
+          </a:xfrm>
+          <a:prstGeom prst="rect">
+            <a:avLst/>
+          </a:prstGeom>
+        </p:spPr>
+      </p:pic>
+      <p:pic>
+        <p:nvPicPr>
+          <p:cNvPr id="3" name="Grafik 2">
+            <a:extLst>
+              <a:ext uri="{FF2B5EF4-FFF2-40B4-BE49-F238E27FC236}">
+                <a16:creationId xmlns:a16="http://schemas.microsoft.com/office/drawing/2014/main" id="{01E00CAA-9361-47BC-B1C6-D6C9FFA37DE2}"/>
+              </a:ext>
+            </a:extLst>
+          </p:cNvPr>
+          <p:cNvPicPr>
+            <a:picLocks noChangeAspect="1"/>
+          </p:cNvPicPr>
+          <p:nvPr/>
+        </p:nvPicPr>
+        <p:blipFill>
+          <a:blip r:embed="rId3"/>
+          <a:stretch>
+            <a:fillRect/>
+          </a:stretch>
+        </p:blipFill>
+        <p:spPr>
+          <a:xfrm>
+            <a:off x="3057092" y="4455409"/>
+            <a:ext cx="869589" cy="860716"/>
           </a:xfrm>
           <a:prstGeom prst="rect">
             <a:avLst/>
